--- a/finished_reports/Papa Murphy's Pizza.pptx
+++ b/finished_reports/Papa Murphy's Pizza.pptx
@@ -12,15 +12,6 @@
   </p:handoutMasterIdLst>
   <p:sldIdLst>
     <p:sldId id="788" r:id="rId2"/>
-    <p:sldId id="789" r:id="rId10"/>
-    <p:sldId id="790" r:id="rId11"/>
-    <p:sldId id="791" r:id="rId12"/>
-    <p:sldId id="792" r:id="rId13"/>
-    <p:sldId id="793" r:id="rId14"/>
-    <p:sldId id="794" r:id="rId15"/>
-    <p:sldId id="795" r:id="rId16"/>
-    <p:sldId id="796" r:id="rId17"/>
-    <p:sldId id="797" r:id="rId18"/>
   </p:sldIdLst>
   <p:sldSz cx="12192000" cy="6858000"/>
   <p:notesSz cx="7023100" cy="9309100"/>
@@ -151,1396 +142,6 @@
     </p:ext>
   </p:extLst>
 </p:presentation>
-</file>
-
-<file path=ppt/charts/chart1.xml><?xml version="1.0" encoding="utf-8"?>
-<c:chartSpace xmlns:c="http://schemas.openxmlformats.org/drawingml/2006/chart" xmlns:a="http://schemas.openxmlformats.org/drawingml/2006/main" xmlns:r="http://schemas.openxmlformats.org/officeDocument/2006/relationships">
-  <c:date1904 val="0"/>
-  <c:chart>
-    <c:plotArea>
-      <c:barChart>
-        <c:barDir val="bar"/>
-        <c:grouping val="clustered"/>
-        <c:ser>
-          <c:idx val="0"/>
-          <c:order val="0"/>
-          <c:tx>
-            <c:strRef>
-              <c:f>Sheet1!$B$1</c:f>
-              <c:strCache>
-                <c:ptCount val="1"/>
-                <c:pt idx="0">
-                  <c:v>Series1</c:v>
-                </c:pt>
-              </c:strCache>
-            </c:strRef>
-          </c:tx>
-          <c:spPr>
-            <a:solidFill>
-              <a:srgbClr val="C0C0C0"/>
-            </a:solidFill>
-          </c:spPr>
-          <c:dPt>
-            <c:idx val="7"/>
-            <c:spPr>
-              <a:solidFill>
-                <a:srgbClr val="E12222"/>
-              </a:solidFill>
-            </c:spPr>
-          </c:dPt>
-          <c:cat>
-            <c:strRef>
-              <c:f>Sheet1!$A$2:$A$9</c:f>
-              <c:strCache>
-                <c:ptCount val="8"/>
-                <c:pt idx="0">
-                  <c:v>McDonald's</c:v>
-                </c:pt>
-                <c:pt idx="1">
-                  <c:v>Burger King</c:v>
-                </c:pt>
-                <c:pt idx="2">
-                  <c:v>Little Caesars</c:v>
-                </c:pt>
-                <c:pt idx="3">
-                  <c:v>Domino's</c:v>
-                </c:pt>
-                <c:pt idx="4">
-                  <c:v>QSR Avg</c:v>
-                </c:pt>
-                <c:pt idx="5">
-                  <c:v>Pizza Hut</c:v>
-                </c:pt>
-                <c:pt idx="6">
-                  <c:v>Papa John's</c:v>
-                </c:pt>
-                <c:pt idx="7">
-                  <c:v>Papa Murphy's Pizza</c:v>
-                </c:pt>
-              </c:strCache>
-            </c:strRef>
-          </c:cat>
-          <c:val>
-            <c:numRef>
-              <c:f>Sheet1!$B$2:$B$9</c:f>
-              <c:numCache>
-                <c:formatCode>General</c:formatCode>
-                <c:ptCount val="8"/>
-                <c:pt idx="0">
-                  <c:v>0.32392273402674593</c:v>
-                </c:pt>
-                <c:pt idx="1">
-                  <c:v>0.4246376811594203</c:v>
-                </c:pt>
-                <c:pt idx="2">
-                  <c:v>0.438136826783115</c:v>
-                </c:pt>
-                <c:pt idx="3">
-                  <c:v>0.49273255813953487</c:v>
-                </c:pt>
-                <c:pt idx="4">
-                  <c:v>0.5557230181952063</c:v>
-                </c:pt>
-                <c:pt idx="5">
-                  <c:v>0.5651537335285505</c:v>
-                </c:pt>
-                <c:pt idx="6">
-                  <c:v>0.5891812865497076</c:v>
-                </c:pt>
-                <c:pt idx="7">
-                  <c:v>0.7035971223021583</c:v>
-                </c:pt>
-              </c:numCache>
-            </c:numRef>
-          </c:val>
-        </c:ser>
-        <c:dLbls>
-          <c:numFmt formatCode="#,##0.0%" sourceLinked="0"/>
-          <c:txPr>
-            <a:bodyPr/>
-            <a:lstStyle/>
-            <a:p>
-              <a:pPr>
-                <a:defRPr sz="1400"/>
-              </a:pPr>
-            </a:p>
-          </c:txPr>
-          <c:showLegendKey val="0"/>
-          <c:showVal val="1"/>
-          <c:showCatName val="0"/>
-          <c:showSerName val="0"/>
-          <c:showPercent val="0"/>
-          <c:showBubbleSize val="0"/>
-        </c:dLbls>
-        <c:axId val="-2068027336"/>
-        <c:axId val="-2113994440"/>
-      </c:barChart>
-      <c:catAx>
-        <c:axId val="-2068027336"/>
-        <c:scaling>
-          <c:orientation val="minMax"/>
-        </c:scaling>
-        <c:delete val="0"/>
-        <c:axPos val="l"/>
-        <c:majorTickMark val="none"/>
-        <c:minorTickMark val="none"/>
-        <c:tickLblPos val="nextTo"/>
-        <c:spPr>
-          <a:ln>
-            <a:solidFill>
-              <a:srgbClr val="FFFFFF"/>
-            </a:solidFill>
-          </a:ln>
-        </c:spPr>
-        <c:crossAx val="-2113994440"/>
-        <c:crosses val="autoZero"/>
-        <c:auto val="1"/>
-        <c:lblAlgn val="ctr"/>
-        <c:lblOffset val="100"/>
-        <c:noMultiLvlLbl val="0"/>
-      </c:catAx>
-      <c:valAx>
-        <c:axId val="-2113994440"/>
-        <c:scaling>
-          <c:max val="0.95"/>
-        </c:scaling>
-        <c:delete/>
-        <c:axPos val="b"/>
-        <c:majorTickMark val="out"/>
-        <c:minorTickMark val="none"/>
-        <c:tickLblPos val="nextTo"/>
-        <c:crossAx val="-2068027336"/>
-        <c:crosses val="autoZero"/>
-      </c:valAx>
-    </c:plotArea>
-    <c:dispBlanksAs val="gap"/>
-  </c:chart>
-  <c:txPr>
-    <a:bodyPr/>
-    <a:lstStyle/>
-    <a:p>
-      <a:pPr>
-        <a:defRPr sz="1800"/>
-      </a:pPr>
-      <a:endParaRPr lang="en-US"/>
-    </a:p>
-  </c:txPr>
-  <c:externalData r:id="rId1">
-    <c:autoUpdate val="0"/>
-  </c:externalData>
-</c:chartSpace>
-</file>
-
-<file path=ppt/charts/chart2.xml><?xml version="1.0" encoding="utf-8"?>
-<c:chartSpace xmlns:c="http://schemas.openxmlformats.org/drawingml/2006/chart" xmlns:a="http://schemas.openxmlformats.org/drawingml/2006/main" xmlns:r="http://schemas.openxmlformats.org/officeDocument/2006/relationships">
-  <c:date1904 val="0"/>
-  <c:chart>
-    <c:plotArea>
-      <c:barChart>
-        <c:barDir val="bar"/>
-        <c:grouping val="clustered"/>
-        <c:ser>
-          <c:idx val="0"/>
-          <c:order val="0"/>
-          <c:tx>
-            <c:strRef>
-              <c:f>Sheet1!$B$1</c:f>
-              <c:strCache>
-                <c:ptCount val="1"/>
-                <c:pt idx="0">
-                  <c:v>Series1</c:v>
-                </c:pt>
-              </c:strCache>
-            </c:strRef>
-          </c:tx>
-          <c:spPr>
-            <a:solidFill>
-              <a:srgbClr val="C0C0C0"/>
-            </a:solidFill>
-          </c:spPr>
-          <c:dPt>
-            <c:idx val="7"/>
-            <c:spPr>
-              <a:solidFill>
-                <a:srgbClr val="E12222"/>
-              </a:solidFill>
-            </c:spPr>
-          </c:dPt>
-          <c:cat>
-            <c:strRef>
-              <c:f>Sheet1!$A$2:$A$9</c:f>
-              <c:strCache>
-                <c:ptCount val="8"/>
-                <c:pt idx="0">
-                  <c:v>McDonald's</c:v>
-                </c:pt>
-                <c:pt idx="1">
-                  <c:v>Burger King</c:v>
-                </c:pt>
-                <c:pt idx="2">
-                  <c:v>Little Caesars</c:v>
-                </c:pt>
-                <c:pt idx="3">
-                  <c:v>Domino's</c:v>
-                </c:pt>
-                <c:pt idx="4">
-                  <c:v>Papa John's</c:v>
-                </c:pt>
-                <c:pt idx="5">
-                  <c:v>Pizza Hut</c:v>
-                </c:pt>
-                <c:pt idx="6">
-                  <c:v>QSR Avg</c:v>
-                </c:pt>
-                <c:pt idx="7">
-                  <c:v>Papa Murphy's Pizza</c:v>
-                </c:pt>
-              </c:strCache>
-            </c:strRef>
-          </c:cat>
-          <c:val>
-            <c:numRef>
-              <c:f>Sheet1!$B$2:$B$9</c:f>
-              <c:numCache>
-                <c:formatCode>General</c:formatCode>
-                <c:ptCount val="8"/>
-                <c:pt idx="0">
-                  <c:v>0.3837037037037037</c:v>
-                </c:pt>
-                <c:pt idx="1">
-                  <c:v>0.48554913294797686</c:v>
-                </c:pt>
-                <c:pt idx="2">
-                  <c:v>0.49122807017543857</c:v>
-                </c:pt>
-                <c:pt idx="3">
-                  <c:v>0.5552325581395349</c:v>
-                </c:pt>
-                <c:pt idx="4">
-                  <c:v>0.6046852122986823</c:v>
-                </c:pt>
-                <c:pt idx="5">
-                  <c:v>0.607871720116618</c:v>
-                </c:pt>
-                <c:pt idx="6">
-                  <c:v>0.6103315537838361</c:v>
-                </c:pt>
-                <c:pt idx="7">
-                  <c:v>0.7348703170028819</c:v>
-                </c:pt>
-              </c:numCache>
-            </c:numRef>
-          </c:val>
-        </c:ser>
-        <c:dLbls>
-          <c:numFmt formatCode="#,##0.0%" sourceLinked="0"/>
-          <c:txPr>
-            <a:bodyPr/>
-            <a:lstStyle/>
-            <a:p>
-              <a:pPr>
-                <a:defRPr sz="1400"/>
-              </a:pPr>
-            </a:p>
-          </c:txPr>
-          <c:showLegendKey val="0"/>
-          <c:showVal val="1"/>
-          <c:showCatName val="0"/>
-          <c:showSerName val="0"/>
-          <c:showPercent val="0"/>
-          <c:showBubbleSize val="0"/>
-        </c:dLbls>
-        <c:axId val="-2068027336"/>
-        <c:axId val="-2113994440"/>
-      </c:barChart>
-      <c:catAx>
-        <c:axId val="-2068027336"/>
-        <c:scaling>
-          <c:orientation val="minMax"/>
-        </c:scaling>
-        <c:delete val="0"/>
-        <c:axPos val="l"/>
-        <c:majorTickMark val="none"/>
-        <c:minorTickMark val="none"/>
-        <c:tickLblPos val="nextTo"/>
-        <c:spPr>
-          <a:ln>
-            <a:solidFill>
-              <a:srgbClr val="FFFFFF"/>
-            </a:solidFill>
-          </a:ln>
-        </c:spPr>
-        <c:crossAx val="-2113994440"/>
-        <c:crosses val="autoZero"/>
-        <c:auto val="1"/>
-        <c:lblAlgn val="ctr"/>
-        <c:lblOffset val="100"/>
-        <c:noMultiLvlLbl val="0"/>
-      </c:catAx>
-      <c:valAx>
-        <c:axId val="-2113994440"/>
-        <c:scaling>
-          <c:max val="0.95"/>
-        </c:scaling>
-        <c:delete/>
-        <c:axPos val="b"/>
-        <c:majorTickMark val="out"/>
-        <c:minorTickMark val="none"/>
-        <c:tickLblPos val="nextTo"/>
-        <c:crossAx val="-2068027336"/>
-        <c:crosses val="autoZero"/>
-      </c:valAx>
-    </c:plotArea>
-    <c:dispBlanksAs val="gap"/>
-  </c:chart>
-  <c:txPr>
-    <a:bodyPr/>
-    <a:lstStyle/>
-    <a:p>
-      <a:pPr>
-        <a:defRPr sz="1800"/>
-      </a:pPr>
-      <a:endParaRPr lang="en-US"/>
-    </a:p>
-  </c:txPr>
-  <c:externalData r:id="rId1">
-    <c:autoUpdate val="0"/>
-  </c:externalData>
-</c:chartSpace>
-</file>
-
-<file path=ppt/charts/chart3.xml><?xml version="1.0" encoding="utf-8"?>
-<c:chartSpace xmlns:c="http://schemas.openxmlformats.org/drawingml/2006/chart" xmlns:a="http://schemas.openxmlformats.org/drawingml/2006/main" xmlns:r="http://schemas.openxmlformats.org/officeDocument/2006/relationships">
-  <c:date1904 val="0"/>
-  <c:chart>
-    <c:plotArea>
-      <c:barChart>
-        <c:barDir val="bar"/>
-        <c:grouping val="clustered"/>
-        <c:ser>
-          <c:idx val="0"/>
-          <c:order val="0"/>
-          <c:tx>
-            <c:strRef>
-              <c:f>Sheet1!$B$1</c:f>
-              <c:strCache>
-                <c:ptCount val="1"/>
-                <c:pt idx="0">
-                  <c:v>Series1</c:v>
-                </c:pt>
-              </c:strCache>
-            </c:strRef>
-          </c:tx>
-          <c:spPr>
-            <a:solidFill>
-              <a:srgbClr val="C0C0C0"/>
-            </a:solidFill>
-          </c:spPr>
-          <c:dPt>
-            <c:idx val="7"/>
-            <c:spPr>
-              <a:solidFill>
-                <a:srgbClr val="E12222"/>
-              </a:solidFill>
-            </c:spPr>
-          </c:dPt>
-          <c:cat>
-            <c:strRef>
-              <c:f>Sheet1!$A$2:$A$9</c:f>
-              <c:strCache>
-                <c:ptCount val="8"/>
-                <c:pt idx="0">
-                  <c:v>McDonald's</c:v>
-                </c:pt>
-                <c:pt idx="1">
-                  <c:v>Burger King</c:v>
-                </c:pt>
-                <c:pt idx="2">
-                  <c:v>Little Caesars</c:v>
-                </c:pt>
-                <c:pt idx="3">
-                  <c:v>Domino's</c:v>
-                </c:pt>
-                <c:pt idx="4">
-                  <c:v>QSR Avg</c:v>
-                </c:pt>
-                <c:pt idx="5">
-                  <c:v>Pizza Hut</c:v>
-                </c:pt>
-                <c:pt idx="6">
-                  <c:v>Papa John's</c:v>
-                </c:pt>
-                <c:pt idx="7">
-                  <c:v>Papa Murphy's Pizza</c:v>
-                </c:pt>
-              </c:strCache>
-            </c:strRef>
-          </c:cat>
-          <c:val>
-            <c:numRef>
-              <c:f>Sheet1!$B$2:$B$9</c:f>
-              <c:numCache>
-                <c:formatCode>General</c:formatCode>
-                <c:ptCount val="8"/>
-                <c:pt idx="0">
-                  <c:v>0.3228511530398323</c:v>
-                </c:pt>
-                <c:pt idx="1">
-                  <c:v>0.41612200435729846</c:v>
-                </c:pt>
-                <c:pt idx="2">
-                  <c:v>0.4344512195121951</c:v>
-                </c:pt>
-                <c:pt idx="3">
-                  <c:v>0.48985959438377535</c:v>
-                </c:pt>
-                <c:pt idx="4">
-                  <c:v>0.5369864655731007</c:v>
-                </c:pt>
-                <c:pt idx="5">
-                  <c:v>0.5584158415841585</c:v>
-                </c:pt>
-                <c:pt idx="6">
-                  <c:v>0.5868852459016394</c:v>
-                </c:pt>
-                <c:pt idx="7">
-                  <c:v>0.7047184170471842</c:v>
-                </c:pt>
-              </c:numCache>
-            </c:numRef>
-          </c:val>
-        </c:ser>
-        <c:dLbls>
-          <c:numFmt formatCode="#,##0.0%" sourceLinked="0"/>
-          <c:txPr>
-            <a:bodyPr/>
-            <a:lstStyle/>
-            <a:p>
-              <a:pPr>
-                <a:defRPr sz="1400"/>
-              </a:pPr>
-            </a:p>
-          </c:txPr>
-          <c:showLegendKey val="0"/>
-          <c:showVal val="1"/>
-          <c:showCatName val="0"/>
-          <c:showSerName val="0"/>
-          <c:showPercent val="0"/>
-          <c:showBubbleSize val="0"/>
-        </c:dLbls>
-        <c:axId val="-2068027336"/>
-        <c:axId val="-2113994440"/>
-      </c:barChart>
-      <c:catAx>
-        <c:axId val="-2068027336"/>
-        <c:scaling>
-          <c:orientation val="minMax"/>
-        </c:scaling>
-        <c:delete val="0"/>
-        <c:axPos val="l"/>
-        <c:majorTickMark val="none"/>
-        <c:minorTickMark val="none"/>
-        <c:tickLblPos val="nextTo"/>
-        <c:spPr>
-          <a:ln>
-            <a:solidFill>
-              <a:srgbClr val="FFFFFF"/>
-            </a:solidFill>
-          </a:ln>
-        </c:spPr>
-        <c:crossAx val="-2113994440"/>
-        <c:crosses val="autoZero"/>
-        <c:auto val="1"/>
-        <c:lblAlgn val="ctr"/>
-        <c:lblOffset val="100"/>
-        <c:noMultiLvlLbl val="0"/>
-      </c:catAx>
-      <c:valAx>
-        <c:axId val="-2113994440"/>
-        <c:scaling>
-          <c:max val="0.95"/>
-        </c:scaling>
-        <c:delete/>
-        <c:axPos val="b"/>
-        <c:majorTickMark val="out"/>
-        <c:minorTickMark val="none"/>
-        <c:tickLblPos val="nextTo"/>
-        <c:crossAx val="-2068027336"/>
-        <c:crosses val="autoZero"/>
-      </c:valAx>
-    </c:plotArea>
-    <c:dispBlanksAs val="gap"/>
-  </c:chart>
-  <c:txPr>
-    <a:bodyPr/>
-    <a:lstStyle/>
-    <a:p>
-      <a:pPr>
-        <a:defRPr sz="1800"/>
-      </a:pPr>
-      <a:endParaRPr lang="en-US"/>
-    </a:p>
-  </c:txPr>
-  <c:externalData r:id="rId1">
-    <c:autoUpdate val="0"/>
-  </c:externalData>
-</c:chartSpace>
-</file>
-
-<file path=ppt/charts/chart4.xml><?xml version="1.0" encoding="utf-8"?>
-<c:chartSpace xmlns:c="http://schemas.openxmlformats.org/drawingml/2006/chart" xmlns:a="http://schemas.openxmlformats.org/drawingml/2006/main" xmlns:r="http://schemas.openxmlformats.org/officeDocument/2006/relationships">
-  <c:date1904 val="0"/>
-  <c:chart>
-    <c:plotArea>
-      <c:barChart>
-        <c:barDir val="bar"/>
-        <c:grouping val="clustered"/>
-        <c:ser>
-          <c:idx val="0"/>
-          <c:order val="0"/>
-          <c:tx>
-            <c:strRef>
-              <c:f>Sheet1!$B$1</c:f>
-              <c:strCache>
-                <c:ptCount val="1"/>
-                <c:pt idx="0">
-                  <c:v>Series1</c:v>
-                </c:pt>
-              </c:strCache>
-            </c:strRef>
-          </c:tx>
-          <c:spPr>
-            <a:solidFill>
-              <a:srgbClr val="0084C0"/>
-            </a:solidFill>
-          </c:spPr>
-          <c:cat>
-            <c:strRef>
-              <c:f>Sheet1!$A$2:$A$5</c:f>
-              <c:strCache>
-                <c:ptCount val="4"/>
-                <c:pt idx="0">
-                  <c:v>Breads</c:v>
-                </c:pt>
-                <c:pt idx="1">
-                  <c:v>Beef</c:v>
-                </c:pt>
-                <c:pt idx="2">
-                  <c:v>Baked Goods</c:v>
-                </c:pt>
-                <c:pt idx="3">
-                  <c:v>Pizza</c:v>
-                </c:pt>
-              </c:strCache>
-            </c:strRef>
-          </c:cat>
-          <c:val>
-            <c:numRef>
-              <c:f>Sheet1!$B$2:$B$5</c:f>
-              <c:numCache>
-                <c:formatCode>General</c:formatCode>
-                <c:ptCount val="4"/>
-                <c:pt idx="0">
-                  <c:v>0.0508849559999999</c:v>
-                </c:pt>
-                <c:pt idx="1">
-                  <c:v>0.0597345129999999</c:v>
-                </c:pt>
-                <c:pt idx="2">
-                  <c:v>0.126106195</c:v>
-                </c:pt>
-                <c:pt idx="3">
-                  <c:v>0.57300885</c:v>
-                </c:pt>
-              </c:numCache>
-            </c:numRef>
-          </c:val>
-        </c:ser>
-        <c:dLbls>
-          <c:numFmt formatCode="#,##0.0%" sourceLinked="0"/>
-          <c:txPr>
-            <a:bodyPr/>
-            <a:lstStyle/>
-            <a:p>
-              <a:pPr>
-                <a:defRPr sz="1400"/>
-              </a:pPr>
-            </a:p>
-          </c:txPr>
-          <c:showLegendKey val="0"/>
-          <c:showVal val="1"/>
-          <c:showCatName val="0"/>
-          <c:showSerName val="0"/>
-          <c:showPercent val="0"/>
-          <c:showBubbleSize val="0"/>
-        </c:dLbls>
-        <c:axId val="-2068027336"/>
-        <c:axId val="-2113994440"/>
-      </c:barChart>
-      <c:catAx>
-        <c:axId val="-2068027336"/>
-        <c:scaling>
-          <c:orientation val="minMax"/>
-        </c:scaling>
-        <c:delete val="0"/>
-        <c:axPos val="l"/>
-        <c:majorTickMark val="out"/>
-        <c:minorTickMark val="none"/>
-        <c:tickLblPos val="nextTo"/>
-        <c:spPr>
-          <a:ln>
-            <a:solidFill>
-              <a:srgbClr val="FFFFFF"/>
-            </a:solidFill>
-          </a:ln>
-        </c:spPr>
-        <c:crossAx val="-2113994440"/>
-        <c:crosses val="autoZero"/>
-        <c:auto val="1"/>
-        <c:lblAlgn val="ctr"/>
-        <c:lblOffset val="100"/>
-        <c:noMultiLvlLbl val="0"/>
-      </c:catAx>
-      <c:valAx>
-        <c:axId val="-2113994440"/>
-        <c:scaling/>
-        <c:delete/>
-        <c:axPos val="b"/>
-        <c:majorTickMark val="out"/>
-        <c:minorTickMark val="none"/>
-        <c:tickLblPos val="nextTo"/>
-        <c:crossAx val="-2068027336"/>
-        <c:crosses val="autoZero"/>
-      </c:valAx>
-    </c:plotArea>
-    <c:dispBlanksAs val="gap"/>
-  </c:chart>
-  <c:txPr>
-    <a:bodyPr/>
-    <a:lstStyle/>
-    <a:p>
-      <a:pPr>
-        <a:defRPr sz="1800"/>
-      </a:pPr>
-      <a:endParaRPr lang="en-US"/>
-    </a:p>
-  </c:txPr>
-  <c:externalData r:id="rId1">
-    <c:autoUpdate val="0"/>
-  </c:externalData>
-</c:chartSpace>
-</file>
-
-<file path=ppt/charts/chart5.xml><?xml version="1.0" encoding="utf-8"?>
-<c:chartSpace xmlns:c="http://schemas.openxmlformats.org/drawingml/2006/chart" xmlns:a="http://schemas.openxmlformats.org/drawingml/2006/main" xmlns:r="http://schemas.openxmlformats.org/officeDocument/2006/relationships">
-  <c:date1904 val="0"/>
-  <c:chart>
-    <c:plotArea>
-      <c:barChart>
-        <c:barDir val="bar"/>
-        <c:grouping val="clustered"/>
-        <c:ser>
-          <c:idx val="0"/>
-          <c:order val="0"/>
-          <c:tx>
-            <c:strRef>
-              <c:f>Sheet1!$B$1</c:f>
-              <c:strCache>
-                <c:ptCount val="1"/>
-                <c:pt idx="0">
-                  <c:v>Series1</c:v>
-                </c:pt>
-              </c:strCache>
-            </c:strRef>
-          </c:tx>
-          <c:spPr>
-            <a:solidFill>
-              <a:srgbClr val="C0C0C0"/>
-            </a:solidFill>
-          </c:spPr>
-          <c:dPt>
-            <c:idx val="7"/>
-            <c:spPr>
-              <a:solidFill>
-                <a:srgbClr val="E12222"/>
-              </a:solidFill>
-            </c:spPr>
-          </c:dPt>
-          <c:cat>
-            <c:strRef>
-              <c:f>Sheet1!$A$2:$A$9</c:f>
-              <c:strCache>
-                <c:ptCount val="8"/>
-                <c:pt idx="0">
-                  <c:v>McDonald's</c:v>
-                </c:pt>
-                <c:pt idx="1">
-                  <c:v>Burger King</c:v>
-                </c:pt>
-                <c:pt idx="2">
-                  <c:v>Domino's</c:v>
-                </c:pt>
-                <c:pt idx="3">
-                  <c:v>Pizza Hut</c:v>
-                </c:pt>
-                <c:pt idx="4">
-                  <c:v>Little Caesars</c:v>
-                </c:pt>
-                <c:pt idx="5">
-                  <c:v>QSR Avg</c:v>
-                </c:pt>
-                <c:pt idx="6">
-                  <c:v>Papa John's</c:v>
-                </c:pt>
-                <c:pt idx="7">
-                  <c:v>Papa Murphy's Pizza</c:v>
-                </c:pt>
-              </c:strCache>
-            </c:strRef>
-          </c:cat>
-          <c:val>
-            <c:numRef>
-              <c:f>Sheet1!$B$2:$B$9</c:f>
-              <c:numCache>
-                <c:formatCode>General</c:formatCode>
-                <c:ptCount val="8"/>
-                <c:pt idx="0">
-                  <c:v>0.4752186588921283</c:v>
-                </c:pt>
-                <c:pt idx="1">
-                  <c:v>0.5383502170767004</c:v>
-                </c:pt>
-                <c:pt idx="2">
-                  <c:v>0.638235294117647</c:v>
-                </c:pt>
-                <c:pt idx="3">
-                  <c:v>0.6395864106351551</c:v>
-                </c:pt>
-                <c:pt idx="4">
-                  <c:v>0.6502890173410405</c:v>
-                </c:pt>
-                <c:pt idx="5">
-                  <c:v>0.6576275709323115</c:v>
-                </c:pt>
-                <c:pt idx="6">
-                  <c:v>0.6753623188405797</c:v>
-                </c:pt>
-                <c:pt idx="7">
-                  <c:v>0.7829232995658466</c:v>
-                </c:pt>
-              </c:numCache>
-            </c:numRef>
-          </c:val>
-        </c:ser>
-        <c:dLbls>
-          <c:numFmt formatCode="#,##0.0%" sourceLinked="0"/>
-          <c:txPr>
-            <a:bodyPr/>
-            <a:lstStyle/>
-            <a:p>
-              <a:pPr>
-                <a:defRPr sz="1400"/>
-              </a:pPr>
-            </a:p>
-          </c:txPr>
-          <c:showLegendKey val="0"/>
-          <c:showVal val="1"/>
-          <c:showCatName val="0"/>
-          <c:showSerName val="0"/>
-          <c:showPercent val="0"/>
-          <c:showBubbleSize val="0"/>
-        </c:dLbls>
-        <c:axId val="-2068027336"/>
-        <c:axId val="-2113994440"/>
-      </c:barChart>
-      <c:catAx>
-        <c:axId val="-2068027336"/>
-        <c:scaling>
-          <c:orientation val="minMax"/>
-        </c:scaling>
-        <c:delete val="0"/>
-        <c:axPos val="l"/>
-        <c:majorTickMark val="none"/>
-        <c:minorTickMark val="none"/>
-        <c:tickLblPos val="nextTo"/>
-        <c:spPr>
-          <a:ln>
-            <a:solidFill>
-              <a:srgbClr val="FFFFFF"/>
-            </a:solidFill>
-          </a:ln>
-        </c:spPr>
-        <c:crossAx val="-2113994440"/>
-        <c:crosses val="autoZero"/>
-        <c:auto val="1"/>
-        <c:lblAlgn val="ctr"/>
-        <c:lblOffset val="100"/>
-        <c:noMultiLvlLbl val="0"/>
-      </c:catAx>
-      <c:valAx>
-        <c:axId val="-2113994440"/>
-        <c:scaling>
-          <c:max val="0.95"/>
-        </c:scaling>
-        <c:delete/>
-        <c:axPos val="b"/>
-        <c:majorTickMark val="out"/>
-        <c:minorTickMark val="none"/>
-        <c:tickLblPos val="nextTo"/>
-        <c:crossAx val="-2068027336"/>
-        <c:crosses val="autoZero"/>
-      </c:valAx>
-    </c:plotArea>
-    <c:dispBlanksAs val="gap"/>
-  </c:chart>
-  <c:txPr>
-    <a:bodyPr/>
-    <a:lstStyle/>
-    <a:p>
-      <a:pPr>
-        <a:defRPr sz="1800"/>
-      </a:pPr>
-      <a:endParaRPr lang="en-US"/>
-    </a:p>
-  </c:txPr>
-  <c:externalData r:id="rId1">
-    <c:autoUpdate val="0"/>
-  </c:externalData>
-</c:chartSpace>
-</file>
-
-<file path=ppt/charts/chart6.xml><?xml version="1.0" encoding="utf-8"?>
-<c:chartSpace xmlns:c="http://schemas.openxmlformats.org/drawingml/2006/chart" xmlns:a="http://schemas.openxmlformats.org/drawingml/2006/main" xmlns:r="http://schemas.openxmlformats.org/officeDocument/2006/relationships">
-  <c:date1904 val="0"/>
-  <c:chart>
-    <c:plotArea>
-      <c:barChart>
-        <c:barDir val="bar"/>
-        <c:grouping val="clustered"/>
-        <c:ser>
-          <c:idx val="0"/>
-          <c:order val="0"/>
-          <c:tx>
-            <c:strRef>
-              <c:f>Sheet1!$B$1</c:f>
-              <c:strCache>
-                <c:ptCount val="1"/>
-                <c:pt idx="0">
-                  <c:v>Series1</c:v>
-                </c:pt>
-              </c:strCache>
-            </c:strRef>
-          </c:tx>
-          <c:spPr>
-            <a:solidFill>
-              <a:srgbClr val="C0C0C0"/>
-            </a:solidFill>
-          </c:spPr>
-          <c:dPt>
-            <c:idx val="7"/>
-            <c:spPr>
-              <a:solidFill>
-                <a:srgbClr val="E12222"/>
-              </a:solidFill>
-            </c:spPr>
-          </c:dPt>
-          <c:cat>
-            <c:strRef>
-              <c:f>Sheet1!$A$2:$A$9</c:f>
-              <c:strCache>
-                <c:ptCount val="8"/>
-                <c:pt idx="0">
-                  <c:v>McDonald's</c:v>
-                </c:pt>
-                <c:pt idx="1">
-                  <c:v>Burger King</c:v>
-                </c:pt>
-                <c:pt idx="2">
-                  <c:v>Little Caesars</c:v>
-                </c:pt>
-                <c:pt idx="3">
-                  <c:v>Domino's</c:v>
-                </c:pt>
-                <c:pt idx="4">
-                  <c:v>Pizza Hut</c:v>
-                </c:pt>
-                <c:pt idx="5">
-                  <c:v>Papa John's</c:v>
-                </c:pt>
-                <c:pt idx="6">
-                  <c:v>QSR Avg</c:v>
-                </c:pt>
-                <c:pt idx="7">
-                  <c:v>Papa Murphy's Pizza</c:v>
-                </c:pt>
-              </c:strCache>
-            </c:strRef>
-          </c:cat>
-          <c:val>
-            <c:numRef>
-              <c:f>Sheet1!$B$2:$B$9</c:f>
-              <c:numCache>
-                <c:formatCode>General</c:formatCode>
-                <c:ptCount val="8"/>
-                <c:pt idx="0">
-                  <c:v>0.35570469798657717</c:v>
-                </c:pt>
-                <c:pt idx="1">
-                  <c:v>0.35827664399092973</c:v>
-                </c:pt>
-                <c:pt idx="2">
-                  <c:v>0.3872255489021956</c:v>
-                </c:pt>
-                <c:pt idx="3">
-                  <c:v>0.4158878504672897</c:v>
-                </c:pt>
-                <c:pt idx="4">
-                  <c:v>0.45979899497487436</c:v>
-                </c:pt>
-                <c:pt idx="5">
-                  <c:v>0.47540983606557374</c:v>
-                </c:pt>
-                <c:pt idx="6">
-                  <c:v>0.4873708417667816</c:v>
-                </c:pt>
-                <c:pt idx="7">
-                  <c:v>0.6678082191780822</c:v>
-                </c:pt>
-              </c:numCache>
-            </c:numRef>
-          </c:val>
-        </c:ser>
-        <c:dLbls>
-          <c:numFmt formatCode="#,##0.0%" sourceLinked="0"/>
-          <c:txPr>
-            <a:bodyPr/>
-            <a:lstStyle/>
-            <a:p>
-              <a:pPr>
-                <a:defRPr sz="1400"/>
-              </a:pPr>
-            </a:p>
-          </c:txPr>
-          <c:showLegendKey val="0"/>
-          <c:showVal val="1"/>
-          <c:showCatName val="0"/>
-          <c:showSerName val="0"/>
-          <c:showPercent val="0"/>
-          <c:showBubbleSize val="0"/>
-        </c:dLbls>
-        <c:axId val="-2068027336"/>
-        <c:axId val="-2113994440"/>
-      </c:barChart>
-      <c:catAx>
-        <c:axId val="-2068027336"/>
-        <c:scaling>
-          <c:orientation val="minMax"/>
-        </c:scaling>
-        <c:delete val="0"/>
-        <c:axPos val="l"/>
-        <c:majorTickMark val="none"/>
-        <c:minorTickMark val="none"/>
-        <c:tickLblPos val="nextTo"/>
-        <c:spPr>
-          <a:ln>
-            <a:solidFill>
-              <a:srgbClr val="FFFFFF"/>
-            </a:solidFill>
-          </a:ln>
-        </c:spPr>
-        <c:crossAx val="-2113994440"/>
-        <c:crosses val="autoZero"/>
-        <c:auto val="1"/>
-        <c:lblAlgn val="ctr"/>
-        <c:lblOffset val="100"/>
-        <c:noMultiLvlLbl val="0"/>
-      </c:catAx>
-      <c:valAx>
-        <c:axId val="-2113994440"/>
-        <c:scaling>
-          <c:max val="0.95"/>
-        </c:scaling>
-        <c:delete/>
-        <c:axPos val="b"/>
-        <c:majorTickMark val="out"/>
-        <c:minorTickMark val="none"/>
-        <c:tickLblPos val="nextTo"/>
-        <c:crossAx val="-2068027336"/>
-        <c:crosses val="autoZero"/>
-      </c:valAx>
-    </c:plotArea>
-    <c:dispBlanksAs val="gap"/>
-  </c:chart>
-  <c:txPr>
-    <a:bodyPr/>
-    <a:lstStyle/>
-    <a:p>
-      <a:pPr>
-        <a:defRPr sz="1800"/>
-      </a:pPr>
-      <a:endParaRPr lang="en-US"/>
-    </a:p>
-  </c:txPr>
-  <c:externalData r:id="rId1">
-    <c:autoUpdate val="0"/>
-  </c:externalData>
-</c:chartSpace>
-</file>
-
-<file path=ppt/charts/chart7.xml><?xml version="1.0" encoding="utf-8"?>
-<c:chartSpace xmlns:c="http://schemas.openxmlformats.org/drawingml/2006/chart" xmlns:a="http://schemas.openxmlformats.org/drawingml/2006/main" xmlns:r="http://schemas.openxmlformats.org/officeDocument/2006/relationships">
-  <c:date1904 val="0"/>
-  <c:chart>
-    <c:plotArea>
-      <c:barChart>
-        <c:barDir val="bar"/>
-        <c:grouping val="clustered"/>
-        <c:ser>
-          <c:idx val="0"/>
-          <c:order val="0"/>
-          <c:tx>
-            <c:strRef>
-              <c:f>Sheet1!$B$1</c:f>
-              <c:strCache>
-                <c:ptCount val="1"/>
-                <c:pt idx="0">
-                  <c:v>Series1</c:v>
-                </c:pt>
-              </c:strCache>
-            </c:strRef>
-          </c:tx>
-          <c:spPr>
-            <a:solidFill>
-              <a:srgbClr val="C0C0C0"/>
-            </a:solidFill>
-          </c:spPr>
-          <c:dPt>
-            <c:idx val="7"/>
-            <c:spPr>
-              <a:solidFill>
-                <a:srgbClr val="E12222"/>
-              </a:solidFill>
-            </c:spPr>
-          </c:dPt>
-          <c:cat>
-            <c:strRef>
-              <c:f>Sheet1!$A$2:$A$9</c:f>
-              <c:strCache>
-                <c:ptCount val="8"/>
-                <c:pt idx="0">
-                  <c:v>McDonald's</c:v>
-                </c:pt>
-                <c:pt idx="1">
-                  <c:v>Little Caesars</c:v>
-                </c:pt>
-                <c:pt idx="2">
-                  <c:v>Burger King</c:v>
-                </c:pt>
-                <c:pt idx="3">
-                  <c:v>Domino's</c:v>
-                </c:pt>
-                <c:pt idx="4">
-                  <c:v>Pizza Hut</c:v>
-                </c:pt>
-                <c:pt idx="5">
-                  <c:v>Papa John's</c:v>
-                </c:pt>
-                <c:pt idx="6">
-                  <c:v>QSR Avg</c:v>
-                </c:pt>
-                <c:pt idx="7">
-                  <c:v>Papa Murphy's Pizza</c:v>
-                </c:pt>
-              </c:strCache>
-            </c:strRef>
-          </c:cat>
-          <c:val>
-            <c:numRef>
-              <c:f>Sheet1!$B$2:$B$9</c:f>
-              <c:numCache>
-                <c:formatCode>General</c:formatCode>
-                <c:ptCount val="8"/>
-                <c:pt idx="0">
-                  <c:v>0.3560311284046693</c:v>
-                </c:pt>
-                <c:pt idx="1">
-                  <c:v>0.4031496062992126</c:v>
-                </c:pt>
-                <c:pt idx="2">
-                  <c:v>0.42314990512333966</c:v>
-                </c:pt>
-                <c:pt idx="3">
-                  <c:v>0.46421267893660534</c:v>
-                </c:pt>
-                <c:pt idx="4">
-                  <c:v>0.4658040665434381</c:v>
-                </c:pt>
-                <c:pt idx="5">
-                  <c:v>0.4908722109533469</c:v>
-                </c:pt>
-                <c:pt idx="6">
-                  <c:v>0.4999984061843208</c:v>
-                </c:pt>
-                <c:pt idx="7">
-                  <c:v>0.6493108728943339</c:v>
-                </c:pt>
-              </c:numCache>
-            </c:numRef>
-          </c:val>
-        </c:ser>
-        <c:dLbls>
-          <c:numFmt formatCode="#,##0.0%" sourceLinked="0"/>
-          <c:txPr>
-            <a:bodyPr/>
-            <a:lstStyle/>
-            <a:p>
-              <a:pPr>
-                <a:defRPr sz="1400"/>
-              </a:pPr>
-            </a:p>
-          </c:txPr>
-          <c:showLegendKey val="0"/>
-          <c:showVal val="1"/>
-          <c:showCatName val="0"/>
-          <c:showSerName val="0"/>
-          <c:showPercent val="0"/>
-          <c:showBubbleSize val="0"/>
-        </c:dLbls>
-        <c:axId val="-2068027336"/>
-        <c:axId val="-2113994440"/>
-      </c:barChart>
-      <c:catAx>
-        <c:axId val="-2068027336"/>
-        <c:scaling>
-          <c:orientation val="minMax"/>
-        </c:scaling>
-        <c:delete val="0"/>
-        <c:axPos val="l"/>
-        <c:majorTickMark val="none"/>
-        <c:minorTickMark val="none"/>
-        <c:tickLblPos val="nextTo"/>
-        <c:spPr>
-          <a:ln>
-            <a:solidFill>
-              <a:srgbClr val="FFFFFF"/>
-            </a:solidFill>
-          </a:ln>
-        </c:spPr>
-        <c:crossAx val="-2113994440"/>
-        <c:crosses val="autoZero"/>
-        <c:auto val="1"/>
-        <c:lblAlgn val="ctr"/>
-        <c:lblOffset val="100"/>
-        <c:noMultiLvlLbl val="0"/>
-      </c:catAx>
-      <c:valAx>
-        <c:axId val="-2113994440"/>
-        <c:scaling>
-          <c:max val="0.95"/>
-        </c:scaling>
-        <c:delete/>
-        <c:axPos val="b"/>
-        <c:majorTickMark val="out"/>
-        <c:minorTickMark val="none"/>
-        <c:tickLblPos val="nextTo"/>
-        <c:crossAx val="-2068027336"/>
-        <c:crosses val="autoZero"/>
-      </c:valAx>
-    </c:plotArea>
-    <c:dispBlanksAs val="gap"/>
-  </c:chart>
-  <c:txPr>
-    <a:bodyPr/>
-    <a:lstStyle/>
-    <a:p>
-      <a:pPr>
-        <a:defRPr sz="1800"/>
-      </a:pPr>
-      <a:endParaRPr lang="en-US"/>
-    </a:p>
-  </c:txPr>
-  <c:externalData r:id="rId1">
-    <c:autoUpdate val="0"/>
-  </c:externalData>
-</c:chartSpace>
-</file>
-
-<file path=ppt/charts/chart8.xml><?xml version="1.0" encoding="utf-8"?>
-<c:chartSpace xmlns:c="http://schemas.openxmlformats.org/drawingml/2006/chart" xmlns:a="http://schemas.openxmlformats.org/drawingml/2006/main" xmlns:r="http://schemas.openxmlformats.org/officeDocument/2006/relationships">
-  <c:date1904 val="0"/>
-  <c:chart>
-    <c:plotArea>
-      <c:barChart>
-        <c:barDir val="bar"/>
-        <c:grouping val="clustered"/>
-        <c:ser>
-          <c:idx val="0"/>
-          <c:order val="0"/>
-          <c:tx>
-            <c:strRef>
-              <c:f>Sheet1!$B$1</c:f>
-              <c:strCache>
-                <c:ptCount val="1"/>
-                <c:pt idx="0">
-                  <c:v>Series1</c:v>
-                </c:pt>
-              </c:strCache>
-            </c:strRef>
-          </c:tx>
-          <c:spPr>
-            <a:solidFill>
-              <a:srgbClr val="C0C0C0"/>
-            </a:solidFill>
-          </c:spPr>
-          <c:dPt>
-            <c:idx val="7"/>
-            <c:spPr>
-              <a:solidFill>
-                <a:srgbClr val="E12222"/>
-              </a:solidFill>
-            </c:spPr>
-          </c:dPt>
-          <c:cat>
-            <c:strRef>
-              <c:f>Sheet1!$A$2:$A$9</c:f>
-              <c:strCache>
-                <c:ptCount val="8"/>
-                <c:pt idx="0">
-                  <c:v>McDonald's</c:v>
-                </c:pt>
-                <c:pt idx="1">
-                  <c:v>Burger King</c:v>
-                </c:pt>
-                <c:pt idx="2">
-                  <c:v>Little Caesars</c:v>
-                </c:pt>
-                <c:pt idx="3">
-                  <c:v>Pizza Hut</c:v>
-                </c:pt>
-                <c:pt idx="4">
-                  <c:v>Domino's</c:v>
-                </c:pt>
-                <c:pt idx="5">
-                  <c:v>QSR Avg</c:v>
-                </c:pt>
-                <c:pt idx="6">
-                  <c:v>Papa John's</c:v>
-                </c:pt>
-                <c:pt idx="7">
-                  <c:v>Papa Murphy's Pizza</c:v>
-                </c:pt>
-              </c:strCache>
-            </c:strRef>
-          </c:cat>
-          <c:val>
-            <c:numRef>
-              <c:f>Sheet1!$B$2:$B$9</c:f>
-              <c:numCache>
-                <c:formatCode>General</c:formatCode>
-                <c:ptCount val="8"/>
-                <c:pt idx="0">
-                  <c:v>0.2796005706134094</c:v>
-                </c:pt>
-                <c:pt idx="1">
-                  <c:v>0.3457142857142857</c:v>
-                </c:pt>
-                <c:pt idx="2">
-                  <c:v>0.41714285714285715</c:v>
-                </c:pt>
-                <c:pt idx="3">
-                  <c:v>0.4585714285714286</c:v>
-                </c:pt>
-                <c:pt idx="4">
-                  <c:v>0.4657142857142857</c:v>
-                </c:pt>
-                <c:pt idx="5">
-                  <c:v>0.48877176778400844</c:v>
-                </c:pt>
-                <c:pt idx="6">
-                  <c:v>0.4893009985734665</c:v>
-                </c:pt>
-                <c:pt idx="7">
-                  <c:v>0.6271428571428571</c:v>
-                </c:pt>
-              </c:numCache>
-            </c:numRef>
-          </c:val>
-        </c:ser>
-        <c:dLbls>
-          <c:numFmt formatCode="#,##0.0%" sourceLinked="0"/>
-          <c:txPr>
-            <a:bodyPr/>
-            <a:lstStyle/>
-            <a:p>
-              <a:pPr>
-                <a:defRPr sz="1400"/>
-              </a:pPr>
-            </a:p>
-          </c:txPr>
-          <c:showLegendKey val="0"/>
-          <c:showVal val="1"/>
-          <c:showCatName val="0"/>
-          <c:showSerName val="0"/>
-          <c:showPercent val="0"/>
-          <c:showBubbleSize val="0"/>
-        </c:dLbls>
-        <c:axId val="-2068027336"/>
-        <c:axId val="-2113994440"/>
-      </c:barChart>
-      <c:catAx>
-        <c:axId val="-2068027336"/>
-        <c:scaling>
-          <c:orientation val="minMax"/>
-        </c:scaling>
-        <c:delete val="0"/>
-        <c:axPos val="l"/>
-        <c:majorTickMark val="none"/>
-        <c:minorTickMark val="none"/>
-        <c:tickLblPos val="nextTo"/>
-        <c:spPr>
-          <a:ln>
-            <a:solidFill>
-              <a:srgbClr val="FFFFFF"/>
-            </a:solidFill>
-          </a:ln>
-        </c:spPr>
-        <c:crossAx val="-2113994440"/>
-        <c:crosses val="autoZero"/>
-        <c:auto val="1"/>
-        <c:lblAlgn val="ctr"/>
-        <c:lblOffset val="100"/>
-        <c:noMultiLvlLbl val="0"/>
-      </c:catAx>
-      <c:valAx>
-        <c:axId val="-2113994440"/>
-        <c:scaling>
-          <c:max val="0.95"/>
-        </c:scaling>
-        <c:delete/>
-        <c:axPos val="b"/>
-        <c:majorTickMark val="out"/>
-        <c:minorTickMark val="none"/>
-        <c:tickLblPos val="nextTo"/>
-        <c:crossAx val="-2068027336"/>
-        <c:crosses val="autoZero"/>
-      </c:valAx>
-    </c:plotArea>
-    <c:dispBlanksAs val="gap"/>
-  </c:chart>
-  <c:txPr>
-    <a:bodyPr/>
-    <a:lstStyle/>
-    <a:p>
-      <a:pPr>
-        <a:defRPr sz="1800"/>
-      </a:pPr>
-      <a:endParaRPr lang="en-US"/>
-    </a:p>
-  </c:txPr>
-  <c:externalData r:id="rId1">
-    <c:autoUpdate val="0"/>
-  </c:externalData>
-</c:chartSpace>
 </file>
 
 <file path=ppt/handoutMasters/handoutMaster1.xml><?xml version="1.0" encoding="utf-8"?>
@@ -12148,1460 +10749,6 @@
         <p14:creationId xmlns:p14="http://schemas.microsoft.com/office/powerpoint/2010/main" val="1016943814"/>
       </p:ext>
     </p:extLst>
-  </p:cSld>
-  <p:clrMapOvr>
-    <a:masterClrMapping/>
-  </p:clrMapOvr>
-</p:sld>
-</file>
-
-<file path=ppt/slides/slide10.xml><?xml version="1.0" encoding="utf-8"?>
-<p:sld xmlns:a="http://schemas.openxmlformats.org/drawingml/2006/main" xmlns:p="http://schemas.openxmlformats.org/presentationml/2006/main" xmlns:r="http://schemas.openxmlformats.org/officeDocument/2006/relationships">
-  <p:cSld>
-    <p:spTree>
-      <p:nvGrpSpPr>
-        <p:cNvPr id="1" name=""/>
-        <p:cNvGrpSpPr/>
-        <p:nvPr/>
-      </p:nvGrpSpPr>
-      <p:grpSpPr/>
-      <p:sp>
-        <p:nvSpPr>
-          <p:cNvPr id="2" name="Title 1"/>
-          <p:cNvSpPr>
-            <a:spLocks noGrp="1"/>
-          </p:cNvSpPr>
-          <p:nvPr>
-            <p:ph type="title"/>
-          </p:nvPr>
-        </p:nvSpPr>
-        <p:spPr/>
-        <p:txBody>
-          <a:bodyPr/>
-          <a:lstStyle/>
-          <a:p>
-            <a:r>
-              <a:t>Overall Visit Satisfaction</a:t>
-            </a:r>
-          </a:p>
-        </p:txBody>
-      </p:sp>
-      <p:graphicFrame>
-        <p:nvGraphicFramePr>
-          <p:cNvPr id="3" name="Chart Placeholder 2"/>
-          <p:cNvGraphicFramePr>
-            <a:graphicFrameLocks noGrp="1"/>
-          </p:cNvGraphicFramePr>
-          <p:nvPr>
-            <p:ph type="chart" idx="12" sz="quarter"/>
-          </p:nvPr>
-        </p:nvGraphicFramePr>
-        <p:xfrm>
-          <a:off x="7291649" y="609600"/>
-          <a:ext cx="3835400" cy="5638800"/>
-        </p:xfrm>
-        <a:graphic>
-          <a:graphicData uri="http://schemas.openxmlformats.org/drawingml/2006/chart">
-            <c:chart xmlns:c="http://schemas.openxmlformats.org/drawingml/2006/chart" r:id="rId2"/>
-          </a:graphicData>
-        </a:graphic>
-      </p:graphicFrame>
-      <p:sp>
-        <p:nvSpPr>
-          <p:cNvPr id="4" name="Text Placeholder 3"/>
-          <p:cNvSpPr>
-            <a:spLocks noGrp="1"/>
-          </p:cNvSpPr>
-          <p:nvPr>
-            <p:ph type="body" idx="13" sz="quarter"/>
-          </p:nvPr>
-        </p:nvSpPr>
-        <p:spPr/>
-        <p:txBody>
-          <a:bodyPr/>
-          <a:lstStyle/>
-          <a:p>
-            <a:r>
-              <a:t>Based on your recent visit, how would you rate the chain on _________?                                           Total base: 700 recent guests per brand (Q3 – Q2‘18) Showing percentage selecting “very good” (top-box rating)</a:t>
-            </a:r>
-          </a:p>
-        </p:txBody>
-      </p:sp>
-    </p:spTree>
-  </p:cSld>
-  <p:clrMapOvr>
-    <a:masterClrMapping/>
-  </p:clrMapOvr>
-</p:sld>
-</file>
-
-<file path=ppt/slides/slide2.xml><?xml version="1.0" encoding="utf-8"?>
-<p:sld xmlns:a="http://schemas.openxmlformats.org/drawingml/2006/main" xmlns:p="http://schemas.openxmlformats.org/presentationml/2006/main" xmlns:r="http://schemas.openxmlformats.org/officeDocument/2006/relationships">
-  <p:cSld>
-    <p:spTree>
-      <p:nvGrpSpPr>
-        <p:cNvPr id="1" name=""/>
-        <p:cNvGrpSpPr/>
-        <p:nvPr/>
-      </p:nvGrpSpPr>
-      <p:grpSpPr/>
-      <p:sp>
-        <p:nvSpPr>
-          <p:cNvPr id="2" name="Title 1"/>
-          <p:cNvSpPr>
-            <a:spLocks noGrp="1"/>
-          </p:cNvSpPr>
-          <p:nvPr>
-            <p:ph type="title"/>
-          </p:nvPr>
-        </p:nvSpPr>
-        <p:spPr/>
-        <p:txBody>
-          <a:bodyPr/>
-          <a:lstStyle/>
-          <a:p>
-            <a:r>
-              <a:t>Top-Line Competitive Brand Assessment</a:t>
-            </a:r>
-          </a:p>
-        </p:txBody>
-      </p:sp>
-      <p:sp>
-        <p:nvSpPr>
-          <p:cNvPr id="3" name="Text Placeholder 2"/>
-          <p:cNvSpPr>
-            <a:spLocks noGrp="1"/>
-          </p:cNvSpPr>
-          <p:nvPr>
-            <p:ph type="body" idx="11" sz="quarter"/>
-          </p:nvPr>
-        </p:nvSpPr>
-        <p:spPr/>
-        <p:txBody>
-          <a:bodyPr/>
-          <a:lstStyle/>
-          <a:p>
-            <a:r>
-              <a:t>KPI Stats</a:t>
-            </a:r>
-          </a:p>
-        </p:txBody>
-      </p:sp>
-      <p:sp>
-        <p:nvSpPr>
-          <p:cNvPr id="4" name="Picture Placeholder 3"/>
-          <p:cNvSpPr>
-            <a:spLocks noGrp="1"/>
-          </p:cNvSpPr>
-          <p:nvPr>
-            <p:ph type="pic" idx="16" sz="quarter"/>
-          </p:nvPr>
-        </p:nvSpPr>
-        <p:spPr/>
-      </p:sp>
-      <p:sp>
-        <p:nvSpPr>
-          <p:cNvPr id="5" name="Text Placeholder 4"/>
-          <p:cNvSpPr>
-            <a:spLocks noGrp="1"/>
-          </p:cNvSpPr>
-          <p:nvPr>
-            <p:ph type="body" idx="17" sz="quarter"/>
-          </p:nvPr>
-        </p:nvSpPr>
-        <p:spPr/>
-        <p:txBody>
-          <a:bodyPr/>
-          <a:lstStyle/>
-          <a:p>
-            <a:r>
-              <a:t>April 2019</a:t>
-            </a:r>
-          </a:p>
-        </p:txBody>
-      </p:sp>
-      <p:sp>
-        <p:nvSpPr>
-          <p:cNvPr id="6" name="Text Placeholder 5"/>
-          <p:cNvSpPr>
-            <a:spLocks noGrp="1"/>
-          </p:cNvSpPr>
-          <p:nvPr>
-            <p:ph type="body" idx="18" sz="quarter"/>
-          </p:nvPr>
-        </p:nvSpPr>
-        <p:spPr/>
-        <p:txBody>
-          <a:bodyPr/>
-          <a:lstStyle/>
-          <a:p>
-            <a:r>
-              <a:t>Powered by Consumer Brand Metrics</a:t>
-            </a:r>
-          </a:p>
-        </p:txBody>
-      </p:sp>
-      <p:pic>
-        <p:nvPicPr>
-          <p:cNvPr id="7" name="Picture Placeholder 6" descr="Papa Murphy's Pizza.png"/>
-          <p:cNvPicPr>
-            <a:picLocks noGrp="1" noChangeAspect="1"/>
-          </p:cNvPicPr>
-          <p:nvPr>
-            <p:ph type="pic" idx="19" sz="quarter"/>
-          </p:nvPr>
-        </p:nvPicPr>
-        <p:blipFill>
-          <a:blip r:embed="rId2"/>
-          <a:srcRect/>
-          <a:stretch>
-            <a:fillRect/>
-          </a:stretch>
-        </p:blipFill>
-        <p:spPr/>
-      </p:pic>
-    </p:spTree>
-  </p:cSld>
-  <p:clrMapOvr>
-    <a:masterClrMapping/>
-  </p:clrMapOvr>
-</p:sld>
-</file>
-
-<file path=ppt/slides/slide3.xml><?xml version="1.0" encoding="utf-8"?>
-<p:sld xmlns:a="http://schemas.openxmlformats.org/drawingml/2006/main" xmlns:p="http://schemas.openxmlformats.org/presentationml/2006/main" xmlns:r="http://schemas.openxmlformats.org/officeDocument/2006/relationships">
-  <p:cSld>
-    <p:spTree>
-      <p:nvGrpSpPr>
-        <p:cNvPr id="1" name=""/>
-        <p:cNvGrpSpPr/>
-        <p:nvPr/>
-      </p:nvGrpSpPr>
-      <p:grpSpPr/>
-      <p:sp>
-        <p:nvSpPr>
-          <p:cNvPr id="2" name="Title 1"/>
-          <p:cNvSpPr>
-            <a:spLocks noGrp="1"/>
-          </p:cNvSpPr>
-          <p:nvPr>
-            <p:ph type="title"/>
-          </p:nvPr>
-        </p:nvSpPr>
-        <p:spPr/>
-        <p:txBody>
-          <a:bodyPr/>
-          <a:lstStyle/>
-          <a:p>
-            <a:r>
-              <a:t>Top Papa Murphy's Pizza Competitors</a:t>
-            </a:r>
-          </a:p>
-        </p:txBody>
-      </p:sp>
-      <p:pic>
-        <p:nvPicPr>
-          <p:cNvPr id="3" name="Picture Placeholder 2" descr="Pizza Hut.png"/>
-          <p:cNvPicPr>
-            <a:picLocks noGrp="1" noChangeAspect="1"/>
-          </p:cNvPicPr>
-          <p:nvPr>
-            <p:ph type="pic" idx="14" sz="quarter"/>
-          </p:nvPr>
-        </p:nvPicPr>
-        <p:blipFill>
-          <a:blip r:embed="rId2"/>
-          <a:srcRect/>
-          <a:stretch>
-            <a:fillRect/>
-          </a:stretch>
-        </p:blipFill>
-        <p:spPr/>
-      </p:pic>
-      <p:pic>
-        <p:nvPicPr>
-          <p:cNvPr id="4" name="Picture Placeholder 3" descr="McDonald's.png"/>
-          <p:cNvPicPr>
-            <a:picLocks noGrp="1" noChangeAspect="1"/>
-          </p:cNvPicPr>
-          <p:nvPr>
-            <p:ph type="pic" idx="15" sz="quarter"/>
-          </p:nvPr>
-        </p:nvPicPr>
-        <p:blipFill>
-          <a:blip r:embed="rId3"/>
-          <a:srcRect/>
-          <a:stretch>
-            <a:fillRect/>
-          </a:stretch>
-        </p:blipFill>
-        <p:spPr/>
-      </p:pic>
-      <p:pic>
-        <p:nvPicPr>
-          <p:cNvPr id="5" name="Picture Placeholder 4" descr="Domino's.png"/>
-          <p:cNvPicPr>
-            <a:picLocks noGrp="1" noChangeAspect="1"/>
-          </p:cNvPicPr>
-          <p:nvPr>
-            <p:ph type="pic" idx="16" sz="quarter"/>
-          </p:nvPr>
-        </p:nvPicPr>
-        <p:blipFill>
-          <a:blip r:embed="rId4"/>
-          <a:srcRect/>
-          <a:stretch>
-            <a:fillRect/>
-          </a:stretch>
-        </p:blipFill>
-        <p:spPr/>
-      </p:pic>
-      <p:pic>
-        <p:nvPicPr>
-          <p:cNvPr id="6" name="Picture Placeholder 5" descr="Little Caesars.png"/>
-          <p:cNvPicPr>
-            <a:picLocks noGrp="1" noChangeAspect="1"/>
-          </p:cNvPicPr>
-          <p:nvPr>
-            <p:ph type="pic" idx="17" sz="quarter"/>
-          </p:nvPr>
-        </p:nvPicPr>
-        <p:blipFill>
-          <a:blip r:embed="rId5"/>
-          <a:srcRect/>
-          <a:stretch>
-            <a:fillRect/>
-          </a:stretch>
-        </p:blipFill>
-        <p:spPr/>
-      </p:pic>
-      <p:pic>
-        <p:nvPicPr>
-          <p:cNvPr id="7" name="Picture Placeholder 6" descr="Burger King.png"/>
-          <p:cNvPicPr>
-            <a:picLocks noGrp="1" noChangeAspect="1"/>
-          </p:cNvPicPr>
-          <p:nvPr>
-            <p:ph type="pic" idx="18" sz="quarter"/>
-          </p:nvPr>
-        </p:nvPicPr>
-        <p:blipFill>
-          <a:blip r:embed="rId6"/>
-          <a:srcRect/>
-          <a:stretch>
-            <a:fillRect/>
-          </a:stretch>
-        </p:blipFill>
-        <p:spPr/>
-      </p:pic>
-      <p:pic>
-        <p:nvPicPr>
-          <p:cNvPr id="8" name="Picture Placeholder 7" descr="Papa John's.png"/>
-          <p:cNvPicPr>
-            <a:picLocks noGrp="1" noChangeAspect="1"/>
-          </p:cNvPicPr>
-          <p:nvPr>
-            <p:ph type="pic" idx="19" sz="quarter"/>
-          </p:nvPr>
-        </p:nvPicPr>
-        <p:blipFill>
-          <a:blip r:embed="rId7"/>
-          <a:srcRect/>
-          <a:stretch>
-            <a:fillRect/>
-          </a:stretch>
-        </p:blipFill>
-        <p:spPr/>
-      </p:pic>
-      <p:sp>
-        <p:nvSpPr>
-          <p:cNvPr id="9" name="Text Placeholder 8"/>
-          <p:cNvSpPr>
-            <a:spLocks noGrp="1"/>
-          </p:cNvSpPr>
-          <p:nvPr>
-            <p:ph type="body" idx="20" sz="quarter"/>
-          </p:nvPr>
-        </p:nvSpPr>
-        <p:spPr/>
-        <p:txBody>
-          <a:bodyPr/>
-          <a:lstStyle/>
-          <a:p>
-            <a:r>
-              <a:rPr b="1"/>
-              <a:t>18.5%</a:t>
-            </a:r>
-            <a:r>
-              <a:t> of recent Papa Murphy's Pizza guests considered visiting </a:t>
-            </a:r>
-            <a:r>
-              <a:t>Pizza Hut</a:t>
-            </a:r>
-          </a:p>
-        </p:txBody>
-      </p:sp>
-      <p:sp>
-        <p:nvSpPr>
-          <p:cNvPr id="10" name="Text Placeholder 9"/>
-          <p:cNvSpPr>
-            <a:spLocks noGrp="1"/>
-          </p:cNvSpPr>
-          <p:nvPr>
-            <p:ph type="body" idx="21" sz="quarter"/>
-          </p:nvPr>
-        </p:nvSpPr>
-        <p:spPr/>
-        <p:txBody>
-          <a:bodyPr/>
-          <a:lstStyle/>
-          <a:p>
-            <a:r>
-              <a:rPr b="1"/>
-              <a:t>6.9%</a:t>
-            </a:r>
-            <a:r>
-              <a:t> considered visiting </a:t>
-            </a:r>
-            <a:r>
-              <a:t>McDonald's</a:t>
-            </a:r>
-          </a:p>
-        </p:txBody>
-      </p:sp>
-      <p:sp>
-        <p:nvSpPr>
-          <p:cNvPr id="11" name="Text Placeholder 10"/>
-          <p:cNvSpPr>
-            <a:spLocks noGrp="1"/>
-          </p:cNvSpPr>
-          <p:nvPr>
-            <p:ph type="body" idx="22" sz="quarter"/>
-          </p:nvPr>
-        </p:nvSpPr>
-        <p:spPr/>
-        <p:txBody>
-          <a:bodyPr/>
-          <a:lstStyle/>
-          <a:p>
-            <a:r>
-              <a:rPr b="1"/>
-              <a:t>6.5%</a:t>
-            </a:r>
-            <a:r>
-              <a:t> considered visiting </a:t>
-            </a:r>
-            <a:r>
-              <a:t>Papa John's</a:t>
-            </a:r>
-          </a:p>
-        </p:txBody>
-      </p:sp>
-      <p:sp>
-        <p:nvSpPr>
-          <p:cNvPr id="12" name="Text Placeholder 11"/>
-          <p:cNvSpPr>
-            <a:spLocks noGrp="1"/>
-          </p:cNvSpPr>
-          <p:nvPr>
-            <p:ph type="body" idx="23" sz="quarter"/>
-          </p:nvPr>
-        </p:nvSpPr>
-        <p:spPr/>
-        <p:txBody>
-          <a:bodyPr/>
-          <a:lstStyle/>
-          <a:p>
-            <a:r>
-              <a:rPr b="1"/>
-              <a:t>5.1%</a:t>
-            </a:r>
-            <a:r>
-              <a:t> considered visiting </a:t>
-            </a:r>
-            <a:r>
-              <a:t>Burger King</a:t>
-            </a:r>
-          </a:p>
-        </p:txBody>
-      </p:sp>
-      <p:sp>
-        <p:nvSpPr>
-          <p:cNvPr id="13" name="Text Placeholder 12"/>
-          <p:cNvSpPr>
-            <a:spLocks noGrp="1"/>
-          </p:cNvSpPr>
-          <p:nvPr>
-            <p:ph type="body" idx="24" sz="quarter"/>
-          </p:nvPr>
-        </p:nvSpPr>
-        <p:spPr/>
-        <p:txBody>
-          <a:bodyPr/>
-          <a:lstStyle/>
-          <a:p>
-            <a:r>
-              <a:rPr b="1"/>
-              <a:t>7.6%</a:t>
-            </a:r>
-            <a:r>
-              <a:t> considered visiting </a:t>
-            </a:r>
-            <a:r>
-              <a:t>Little Caesars</a:t>
-            </a:r>
-          </a:p>
-        </p:txBody>
-      </p:sp>
-      <p:sp>
-        <p:nvSpPr>
-          <p:cNvPr id="14" name="Text Placeholder 13"/>
-          <p:cNvSpPr>
-            <a:spLocks noGrp="1"/>
-          </p:cNvSpPr>
-          <p:nvPr>
-            <p:ph type="body" idx="25" sz="quarter"/>
-          </p:nvPr>
-        </p:nvSpPr>
-        <p:spPr/>
-        <p:txBody>
-          <a:bodyPr/>
-          <a:lstStyle/>
-          <a:p>
-            <a:r>
-              <a:rPr b="1"/>
-              <a:t>12.0%</a:t>
-            </a:r>
-            <a:r>
-              <a:t> considered visiting </a:t>
-            </a:r>
-            <a:r>
-              <a:t>Domino's</a:t>
-            </a:r>
-            <a:r>
-              <a:rPr b="1"/>
-              <a:t>12.0%</a:t>
-            </a:r>
-            <a:r>
-              <a:t> considered visiting </a:t>
-            </a:r>
-            <a:r>
-              <a:t>Domino's</a:t>
-            </a:r>
-          </a:p>
-        </p:txBody>
-      </p:sp>
-      <p:sp>
-        <p:nvSpPr>
-          <p:cNvPr id="15" name="Text Placeholder 14"/>
-          <p:cNvSpPr>
-            <a:spLocks noGrp="1"/>
-          </p:cNvSpPr>
-          <p:nvPr>
-            <p:ph type="body" idx="26" sz="quarter"/>
-          </p:nvPr>
-        </p:nvSpPr>
-        <p:spPr/>
-        <p:txBody>
-          <a:bodyPr/>
-          <a:lstStyle/>
-          <a:p>
-            <a:pPr>
-              <a:defRPr sz="800">
-                <a:solidFill>
-                  <a:srgbClr val="898D8D"/>
-                </a:solidFill>
-                <a:latin typeface="Arial (Body)"/>
-              </a:defRPr>
-            </a:pPr>
-            <a:r>
-              <a:t>Total base: 700 recent Papa Murphy's Pizza guests (Q3 - Q2'18)</a:t>
-            </a:r>
-          </a:p>
-        </p:txBody>
-      </p:sp>
-      <p:sp>
-        <p:nvSpPr>
-          <p:cNvPr id="16" name="Text Placeholder 15"/>
-          <p:cNvSpPr>
-            <a:spLocks noGrp="1"/>
-          </p:cNvSpPr>
-          <p:nvPr>
-            <p:ph type="body" idx="27" sz="quarter"/>
-          </p:nvPr>
-        </p:nvSpPr>
-        <p:spPr/>
-        <p:txBody>
-          <a:bodyPr/>
-          <a:lstStyle/>
-          <a:p>
-            <a:pPr>
-              <a:defRPr sz="2000">
-                <a:solidFill>
-                  <a:srgbClr val="898D8D"/>
-                </a:solidFill>
-                <a:latin typeface="Arial (Body)"/>
-              </a:defRPr>
-            </a:pPr>
-            <a:r>
-              <a:rPr b="1"/>
-              <a:t>50.1%</a:t>
-            </a:r>
-            <a:r>
-              <a:t> would have gone to another restaurant as an alternative to Papa Murphy's Pizza</a:t>
-            </a:r>
-          </a:p>
-        </p:txBody>
-      </p:sp>
-    </p:spTree>
-  </p:cSld>
-  <p:clrMapOvr>
-    <a:masterClrMapping/>
-  </p:clrMapOvr>
-</p:sld>
-</file>
-
-<file path=ppt/slides/slide4.xml><?xml version="1.0" encoding="utf-8"?>
-<p:sld xmlns:a="http://schemas.openxmlformats.org/drawingml/2006/main" xmlns:p="http://schemas.openxmlformats.org/presentationml/2006/main" xmlns:r="http://schemas.openxmlformats.org/officeDocument/2006/relationships">
-  <p:cSld>
-    <p:spTree>
-      <p:nvGrpSpPr>
-        <p:cNvPr id="1" name=""/>
-        <p:cNvGrpSpPr/>
-        <p:nvPr/>
-      </p:nvGrpSpPr>
-      <p:grpSpPr/>
-      <p:sp>
-        <p:nvSpPr>
-          <p:cNvPr id="2" name="Text Placeholder 1"/>
-          <p:cNvSpPr>
-            <a:spLocks noGrp="1"/>
-          </p:cNvSpPr>
-          <p:nvPr>
-            <p:ph type="body" idx="14" sz="quarter"/>
-          </p:nvPr>
-        </p:nvSpPr>
-        <p:spPr/>
-        <p:txBody>
-          <a:bodyPr/>
-          <a:lstStyle/>
-          <a:p>
-            <a:r>
-              <a:t>Male</a:t>
-            </a:r>
-          </a:p>
-        </p:txBody>
-      </p:sp>
-      <p:sp>
-        <p:nvSpPr>
-          <p:cNvPr id="3" name="Text Placeholder 2"/>
-          <p:cNvSpPr>
-            <a:spLocks noGrp="1"/>
-          </p:cNvSpPr>
-          <p:nvPr>
-            <p:ph type="body" idx="15" sz="quarter"/>
-          </p:nvPr>
-        </p:nvSpPr>
-        <p:spPr/>
-        <p:txBody>
-          <a:bodyPr/>
-          <a:lstStyle/>
-          <a:p>
-            <a:r>
-              <a:t>Millennials</a:t>
-            </a:r>
-          </a:p>
-        </p:txBody>
-      </p:sp>
-      <p:sp>
-        <p:nvSpPr>
-          <p:cNvPr id="4" name="Text Placeholder 3"/>
-          <p:cNvSpPr>
-            <a:spLocks noGrp="1"/>
-          </p:cNvSpPr>
-          <p:nvPr>
-            <p:ph type="body" idx="16" sz="quarter"/>
-          </p:nvPr>
-        </p:nvSpPr>
-        <p:spPr/>
-        <p:txBody>
-          <a:bodyPr/>
-          <a:lstStyle/>
-          <a:p>
-            <a:r>
-              <a:t>Caucasian</a:t>
-            </a:r>
-          </a:p>
-        </p:txBody>
-      </p:sp>
-      <p:sp>
-        <p:nvSpPr>
-          <p:cNvPr id="5" name="Text Placeholder 4"/>
-          <p:cNvSpPr>
-            <a:spLocks noGrp="1"/>
-          </p:cNvSpPr>
-          <p:nvPr>
-            <p:ph type="body" idx="17" sz="quarter"/>
-          </p:nvPr>
-        </p:nvSpPr>
-        <p:spPr/>
-        <p:txBody>
-          <a:bodyPr/>
-          <a:lstStyle/>
-          <a:p>
-            <a:r>
-              <a:t>$50K - $75K</a:t>
-            </a:r>
-          </a:p>
-        </p:txBody>
-      </p:sp>
-      <p:sp>
-        <p:nvSpPr>
-          <p:cNvPr id="6" name="Text Placeholder 5"/>
-          <p:cNvSpPr>
-            <a:spLocks noGrp="1"/>
-          </p:cNvSpPr>
-          <p:nvPr>
-            <p:ph type="body" idx="18" sz="quarter"/>
-          </p:nvPr>
-        </p:nvSpPr>
-        <p:spPr/>
-        <p:txBody>
-          <a:bodyPr/>
-          <a:lstStyle/>
-          <a:p>
-            <a:r>
-              <a:rPr b="1">
-                <a:solidFill>
-                  <a:srgbClr val="C82222"/>
-                </a:solidFill>
-              </a:rPr>
-              <a:t>53.7%</a:t>
-            </a:r>
-            <a:r>
-              <a:t> Of Papa Murphy's Pizza's frequent guest are Male compared to </a:t>
-            </a:r>
-            <a:r>
-              <a:rPr b="1"/>
-              <a:t>54.6%</a:t>
-            </a:r>
-            <a:r>
-              <a:t> across all </a:t>
-            </a:r>
-            <a:r>
-              <a:t>QSRs</a:t>
-            </a:r>
-          </a:p>
-        </p:txBody>
-      </p:sp>
-      <p:sp>
-        <p:nvSpPr>
-          <p:cNvPr id="7" name="Text Placeholder 6"/>
-          <p:cNvSpPr>
-            <a:spLocks noGrp="1"/>
-          </p:cNvSpPr>
-          <p:nvPr>
-            <p:ph type="body" idx="19" sz="quarter"/>
-          </p:nvPr>
-        </p:nvSpPr>
-        <p:spPr/>
-        <p:txBody>
-          <a:bodyPr/>
-          <a:lstStyle/>
-          <a:p>
-            <a:r>
-              <a:rPr b="1">
-                <a:solidFill>
-                  <a:srgbClr val="C82222"/>
-                </a:solidFill>
-              </a:rPr>
-              <a:t>37.5%</a:t>
-            </a:r>
-            <a:r>
-              <a:t> Of frequent guest are Millennials compared to </a:t>
-            </a:r>
-            <a:r>
-              <a:rPr b="1"/>
-              <a:t>41.5%</a:t>
-            </a:r>
-            <a:r>
-              <a:t> across all </a:t>
-            </a:r>
-            <a:r>
-              <a:t>QSRs</a:t>
-            </a:r>
-          </a:p>
-        </p:txBody>
-      </p:sp>
-      <p:sp>
-        <p:nvSpPr>
-          <p:cNvPr id="8" name="Text Placeholder 7"/>
-          <p:cNvSpPr>
-            <a:spLocks noGrp="1"/>
-          </p:cNvSpPr>
-          <p:nvPr>
-            <p:ph type="body" idx="20" sz="quarter"/>
-          </p:nvPr>
-        </p:nvSpPr>
-        <p:spPr/>
-        <p:txBody>
-          <a:bodyPr/>
-          <a:lstStyle/>
-          <a:p>
-            <a:r>
-              <a:rPr b="1">
-                <a:solidFill>
-                  <a:srgbClr val="C82222"/>
-                </a:solidFill>
-              </a:rPr>
-              <a:t>64.7%</a:t>
-            </a:r>
-            <a:r>
-              <a:t> Of frequent guest are Caucasian compared to </a:t>
-            </a:r>
-            <a:r>
-              <a:rPr b="1"/>
-              <a:t>53.4%</a:t>
-            </a:r>
-            <a:r>
-              <a:t> across all </a:t>
-            </a:r>
-            <a:r>
-              <a:t>QSRs</a:t>
-            </a:r>
-          </a:p>
-        </p:txBody>
-      </p:sp>
-      <p:sp>
-        <p:nvSpPr>
-          <p:cNvPr id="9" name="Text Placeholder 8"/>
-          <p:cNvSpPr>
-            <a:spLocks noGrp="1"/>
-          </p:cNvSpPr>
-          <p:nvPr>
-            <p:ph type="body" idx="21" sz="quarter"/>
-          </p:nvPr>
-        </p:nvSpPr>
-        <p:spPr/>
-        <p:txBody>
-          <a:bodyPr/>
-          <a:lstStyle/>
-          <a:p>
-            <a:r>
-              <a:rPr b="1">
-                <a:solidFill>
-                  <a:srgbClr val="C82222"/>
-                </a:solidFill>
-              </a:rPr>
-              <a:t>21.6%</a:t>
-            </a:r>
-            <a:r>
-              <a:t> Of frequent guest are $50K - $75K compared to </a:t>
-            </a:r>
-            <a:r>
-              <a:rPr b="1"/>
-              <a:t>21.7%</a:t>
-            </a:r>
-            <a:r>
-              <a:t> across all </a:t>
-            </a:r>
-            <a:r>
-              <a:t>QSRs</a:t>
-            </a:r>
-          </a:p>
-        </p:txBody>
-      </p:sp>
-      <p:sp>
-        <p:nvSpPr>
-          <p:cNvPr id="10" name="Title 9"/>
-          <p:cNvSpPr>
-            <a:spLocks noGrp="1"/>
-          </p:cNvSpPr>
-          <p:nvPr>
-            <p:ph type="title"/>
-          </p:nvPr>
-        </p:nvSpPr>
-        <p:spPr/>
-        <p:txBody>
-          <a:bodyPr/>
-          <a:lstStyle/>
-          <a:p>
-            <a:r>
-              <a:t>Papa Murphy's Pizza Frequent Guest Demographic Skews</a:t>
-            </a:r>
-          </a:p>
-        </p:txBody>
-      </p:sp>
-      <p:sp>
-        <p:nvSpPr>
-          <p:cNvPr id="11" name="Text Placeholder 10"/>
-          <p:cNvSpPr>
-            <a:spLocks noGrp="1"/>
-          </p:cNvSpPr>
-          <p:nvPr>
-            <p:ph type="body" idx="22" sz="quarter"/>
-          </p:nvPr>
-        </p:nvSpPr>
-        <p:spPr/>
-        <p:txBody>
-          <a:bodyPr/>
-          <a:lstStyle/>
-          <a:p>
-            <a:pPr>
-              <a:defRPr sz="800">
-                <a:solidFill>
-                  <a:srgbClr val="898D8D"/>
-                </a:solidFill>
-                <a:latin typeface="Arial (Body)"/>
-              </a:defRPr>
-            </a:pPr>
-            <a:r>
-              <a:t>Frequent guest = consumers that visit the chain once a month or more Base: 72,630 once a month+ fast casual consumers (Q3 – Q2‘18)</a:t>
-            </a:r>
-          </a:p>
-        </p:txBody>
-      </p:sp>
-    </p:spTree>
-  </p:cSld>
-  <p:clrMapOvr>
-    <a:masterClrMapping/>
-  </p:clrMapOvr>
-</p:sld>
-</file>
-
-<file path=ppt/slides/slide5.xml><?xml version="1.0" encoding="utf-8"?>
-<p:sld xmlns:a="http://schemas.openxmlformats.org/drawingml/2006/main" xmlns:p="http://schemas.openxmlformats.org/presentationml/2006/main" xmlns:r="http://schemas.openxmlformats.org/officeDocument/2006/relationships">
-  <p:cSld>
-    <p:spTree>
-      <p:nvGrpSpPr>
-        <p:cNvPr id="1" name=""/>
-        <p:cNvGrpSpPr/>
-        <p:nvPr/>
-      </p:nvGrpSpPr>
-      <p:grpSpPr/>
-    </p:spTree>
-  </p:cSld>
-  <p:clrMapOvr>
-    <a:masterClrMapping/>
-  </p:clrMapOvr>
-</p:sld>
-</file>
-
-<file path=ppt/slides/slide6.xml><?xml version="1.0" encoding="utf-8"?>
-<p:sld xmlns:a="http://schemas.openxmlformats.org/drawingml/2006/main" xmlns:p="http://schemas.openxmlformats.org/presentationml/2006/main" xmlns:r="http://schemas.openxmlformats.org/officeDocument/2006/relationships">
-  <p:cSld>
-    <p:spTree>
-      <p:nvGrpSpPr>
-        <p:cNvPr id="1" name=""/>
-        <p:cNvGrpSpPr/>
-        <p:nvPr/>
-      </p:nvGrpSpPr>
-      <p:grpSpPr/>
-      <p:sp>
-        <p:nvSpPr>
-          <p:cNvPr id="2" name="Title 1"/>
-          <p:cNvSpPr>
-            <a:spLocks noGrp="1"/>
-          </p:cNvSpPr>
-          <p:nvPr>
-            <p:ph type="title"/>
-          </p:nvPr>
-        </p:nvSpPr>
-        <p:spPr/>
-        <p:txBody>
-          <a:bodyPr/>
-          <a:lstStyle/>
-          <a:p>
-            <a:r>
-              <a:t>Food Attributes</a:t>
-            </a:r>
-          </a:p>
-        </p:txBody>
-      </p:sp>
-      <p:graphicFrame>
-        <p:nvGraphicFramePr>
-          <p:cNvPr id="3" name="Chart Placeholder 2"/>
-          <p:cNvGraphicFramePr>
-            <a:graphicFrameLocks noGrp="1"/>
-          </p:cNvGraphicFramePr>
-          <p:nvPr>
-            <p:ph type="chart" idx="14" sz="quarter"/>
-          </p:nvPr>
-        </p:nvGraphicFramePr>
-        <p:xfrm>
-          <a:off x="4348480" y="2133600"/>
-          <a:ext cx="3474720" cy="3657600"/>
-        </p:xfrm>
-        <a:graphic>
-          <a:graphicData uri="http://schemas.openxmlformats.org/drawingml/2006/chart">
-            <c:chart xmlns:c="http://schemas.openxmlformats.org/drawingml/2006/chart" r:id="rId3"/>
-          </a:graphicData>
-        </a:graphic>
-      </p:graphicFrame>
-      <p:graphicFrame>
-        <p:nvGraphicFramePr>
-          <p:cNvPr id="4" name="Chart Placeholder 3"/>
-          <p:cNvGraphicFramePr>
-            <a:graphicFrameLocks noGrp="1"/>
-          </p:cNvGraphicFramePr>
-          <p:nvPr>
-            <p:ph type="chart" idx="15" sz="quarter"/>
-          </p:nvPr>
-        </p:nvGraphicFramePr>
-        <p:xfrm>
-          <a:off x="8204797" y="2133600"/>
-          <a:ext cx="3474720" cy="3657600"/>
-        </p:xfrm>
-        <a:graphic>
-          <a:graphicData uri="http://schemas.openxmlformats.org/drawingml/2006/chart">
-            <c:chart xmlns:c="http://schemas.openxmlformats.org/drawingml/2006/chart" r:id="rId2"/>
-          </a:graphicData>
-        </a:graphic>
-      </p:graphicFrame>
-      <p:graphicFrame>
-        <p:nvGraphicFramePr>
-          <p:cNvPr id="5" name="Chart Placeholder 4"/>
-          <p:cNvGraphicFramePr>
-            <a:graphicFrameLocks noGrp="1"/>
-          </p:cNvGraphicFramePr>
-          <p:nvPr>
-            <p:ph type="chart" idx="16" sz="quarter"/>
-          </p:nvPr>
-        </p:nvGraphicFramePr>
-        <p:xfrm>
-          <a:off x="487680" y="2133600"/>
-          <a:ext cx="3474720" cy="3657600"/>
-        </p:xfrm>
-        <a:graphic>
-          <a:graphicData uri="http://schemas.openxmlformats.org/drawingml/2006/chart">
-            <c:chart xmlns:c="http://schemas.openxmlformats.org/drawingml/2006/chart" r:id="rId4"/>
-          </a:graphicData>
-        </a:graphic>
-      </p:graphicFrame>
-      <p:sp>
-        <p:nvSpPr>
-          <p:cNvPr id="6" name="Text Placeholder 5"/>
-          <p:cNvSpPr>
-            <a:spLocks noGrp="1"/>
-          </p:cNvSpPr>
-          <p:nvPr>
-            <p:ph type="body" idx="17" sz="quarter"/>
-          </p:nvPr>
-        </p:nvSpPr>
-        <p:spPr/>
-        <p:txBody>
-          <a:bodyPr/>
-          <a:lstStyle/>
-          <a:p>
-            <a:r>
-              <a:t>Food Taste &amp; Flavor</a:t>
-            </a:r>
-          </a:p>
-        </p:txBody>
-      </p:sp>
-      <p:sp>
-        <p:nvSpPr>
-          <p:cNvPr id="7" name="Text Placeholder 6"/>
-          <p:cNvSpPr>
-            <a:spLocks noGrp="1"/>
-          </p:cNvSpPr>
-          <p:nvPr>
-            <p:ph type="body" idx="18" sz="quarter"/>
-          </p:nvPr>
-        </p:nvSpPr>
-        <p:spPr/>
-        <p:txBody>
-          <a:bodyPr/>
-          <a:lstStyle/>
-          <a:p>
-            <a:r>
-              <a:t>Food Quality</a:t>
-            </a:r>
-          </a:p>
-        </p:txBody>
-      </p:sp>
-      <p:sp>
-        <p:nvSpPr>
-          <p:cNvPr id="8" name="Text Placeholder 7"/>
-          <p:cNvSpPr>
-            <a:spLocks noGrp="1"/>
-          </p:cNvSpPr>
-          <p:nvPr>
-            <p:ph type="body" idx="19" sz="quarter"/>
-          </p:nvPr>
-        </p:nvSpPr>
-        <p:spPr/>
-        <p:txBody>
-          <a:bodyPr/>
-          <a:lstStyle/>
-          <a:p>
-            <a:r>
-              <a:t>Food Quality When Ordered for Takeout*</a:t>
-            </a:r>
-          </a:p>
-        </p:txBody>
-      </p:sp>
-      <p:sp>
-        <p:nvSpPr>
-          <p:cNvPr id="9" name="Text Placeholder 8"/>
-          <p:cNvSpPr>
-            <a:spLocks noGrp="1"/>
-          </p:cNvSpPr>
-          <p:nvPr>
-            <p:ph type="body" idx="20" sz="quarter"/>
-          </p:nvPr>
-        </p:nvSpPr>
-        <p:spPr/>
-        <p:txBody>
-          <a:bodyPr/>
-          <a:lstStyle/>
-          <a:p>
-            <a:r>
-              <a:t>Based on your recent visit, how would you rate the chain on _________?                                           Total base: 700 recent guests per brand (Q3 – Q2‘18) Showing percentage selecting “very good” (top-box rating)</a:t>
-            </a:r>
-          </a:p>
-        </p:txBody>
-      </p:sp>
-    </p:spTree>
-  </p:cSld>
-  <p:clrMapOvr>
-    <a:masterClrMapping/>
-  </p:clrMapOvr>
-</p:sld>
-</file>
-
-<file path=ppt/slides/slide7.xml><?xml version="1.0" encoding="utf-8"?>
-<p:sld xmlns:a="http://schemas.openxmlformats.org/drawingml/2006/main" xmlns:p="http://schemas.openxmlformats.org/presentationml/2006/main" xmlns:r="http://schemas.openxmlformats.org/officeDocument/2006/relationships">
-  <p:cSld>
-    <p:spTree>
-      <p:nvGrpSpPr>
-        <p:cNvPr id="1" name=""/>
-        <p:cNvGrpSpPr/>
-        <p:nvPr/>
-      </p:nvGrpSpPr>
-      <p:grpSpPr/>
-      <p:sp>
-        <p:nvSpPr>
-          <p:cNvPr id="2" name="Title 1"/>
-          <p:cNvSpPr>
-            <a:spLocks noGrp="1"/>
-          </p:cNvSpPr>
-          <p:nvPr>
-            <p:ph type="title"/>
-          </p:nvPr>
-        </p:nvSpPr>
-        <p:spPr/>
-        <p:txBody>
-          <a:bodyPr/>
-          <a:lstStyle/>
-          <a:p>
-            <a:r>
-              <a:t>Most Craveable Papa Murphy's Pizza Items</a:t>
-            </a:r>
-          </a:p>
-        </p:txBody>
-      </p:sp>
-      <p:graphicFrame>
-        <p:nvGraphicFramePr>
-          <p:cNvPr id="3" name="Chart Placeholder 2"/>
-          <p:cNvGraphicFramePr>
-            <a:graphicFrameLocks noGrp="1"/>
-          </p:cNvGraphicFramePr>
-          <p:nvPr>
-            <p:ph type="chart" idx="14" sz="quarter"/>
-          </p:nvPr>
-        </p:nvGraphicFramePr>
-        <p:xfrm>
-          <a:off x="4368800" y="304800"/>
-          <a:ext cx="7315200" cy="6135624"/>
-        </p:xfrm>
-        <a:graphic>
-          <a:graphicData uri="http://schemas.openxmlformats.org/drawingml/2006/chart">
-            <c:chart xmlns:c="http://schemas.openxmlformats.org/drawingml/2006/chart" r:id="rId2"/>
-          </a:graphicData>
-        </a:graphic>
-      </p:graphicFrame>
-      <p:sp>
-        <p:nvSpPr>
-          <p:cNvPr id="4" name="Text Placeholder 3"/>
-          <p:cNvSpPr>
-            <a:spLocks noGrp="1"/>
-          </p:cNvSpPr>
-          <p:nvPr>
-            <p:ph type="body" idx="15" sz="quarter"/>
-          </p:nvPr>
-        </p:nvSpPr>
-        <p:spPr/>
-        <p:txBody>
-          <a:bodyPr/>
-          <a:lstStyle/>
-          <a:p>
-            <a:r>
-              <a:t>452 recent Papa Murphy's Pizza guests who rated the chain as "good" or "very good" for craveable items"</a:t>
-            </a:r>
-          </a:p>
-        </p:txBody>
-      </p:sp>
-    </p:spTree>
-  </p:cSld>
-  <p:clrMapOvr>
-    <a:masterClrMapping/>
-  </p:clrMapOvr>
-</p:sld>
-</file>
-
-<file path=ppt/slides/slide8.xml><?xml version="1.0" encoding="utf-8"?>
-<p:sld xmlns:a="http://schemas.openxmlformats.org/drawingml/2006/main" xmlns:p="http://schemas.openxmlformats.org/presentationml/2006/main" xmlns:r="http://schemas.openxmlformats.org/officeDocument/2006/relationships">
-  <p:cSld>
-    <p:spTree>
-      <p:nvGrpSpPr>
-        <p:cNvPr id="1" name=""/>
-        <p:cNvGrpSpPr/>
-        <p:nvPr/>
-      </p:nvGrpSpPr>
-      <p:grpSpPr/>
-      <p:sp>
-        <p:nvSpPr>
-          <p:cNvPr id="2" name="Picture Placeholder 1"/>
-          <p:cNvSpPr>
-            <a:spLocks noGrp="1"/>
-          </p:cNvSpPr>
-          <p:nvPr>
-            <p:ph type="pic" idx="16" sz="quarter"/>
-          </p:nvPr>
-        </p:nvSpPr>
-        <p:spPr/>
-      </p:sp>
-      <p:sp>
-        <p:nvSpPr>
-          <p:cNvPr id="3" name="Title 2"/>
-          <p:cNvSpPr>
-            <a:spLocks noGrp="1"/>
-          </p:cNvSpPr>
-          <p:nvPr>
-            <p:ph type="title"/>
-          </p:nvPr>
-        </p:nvSpPr>
-        <p:spPr/>
-        <p:txBody>
-          <a:bodyPr/>
-          <a:lstStyle/>
-          <a:p>
-            <a:r>
-              <a:t>Accuracy </a:t>
-            </a:r>
-            <a:br/>
-            <a:r>
-              <a:t>Attribute</a:t>
-            </a:r>
-          </a:p>
-        </p:txBody>
-      </p:sp>
-      <p:graphicFrame>
-        <p:nvGraphicFramePr>
-          <p:cNvPr id="4" name="Chart Placeholder 3"/>
-          <p:cNvGraphicFramePr>
-            <a:graphicFrameLocks noGrp="1"/>
-          </p:cNvGraphicFramePr>
-          <p:nvPr>
-            <p:ph type="chart" idx="17" sz="quarter"/>
-          </p:nvPr>
-        </p:nvGraphicFramePr>
-        <p:xfrm>
-          <a:off x="304800" y="2158492"/>
-          <a:ext cx="3474720" cy="3657600"/>
-        </p:xfrm>
-        <a:graphic>
-          <a:graphicData uri="http://schemas.openxmlformats.org/drawingml/2006/chart">
-            <c:chart xmlns:c="http://schemas.openxmlformats.org/drawingml/2006/chart" r:id="rId2"/>
-          </a:graphicData>
-        </a:graphic>
-      </p:graphicFrame>
-      <p:sp>
-        <p:nvSpPr>
-          <p:cNvPr id="5" name="Text Placeholder 4"/>
-          <p:cNvSpPr>
-            <a:spLocks noGrp="1"/>
-          </p:cNvSpPr>
-          <p:nvPr>
-            <p:ph type="body" idx="19" sz="quarter"/>
-          </p:nvPr>
-        </p:nvSpPr>
-        <p:spPr/>
-        <p:txBody>
-          <a:bodyPr/>
-          <a:lstStyle/>
-          <a:p>
-            <a:r>
-              <a:t>Order Accuracy</a:t>
-            </a:r>
-          </a:p>
-        </p:txBody>
-      </p:sp>
-      <p:sp>
-        <p:nvSpPr>
-          <p:cNvPr id="6" name="Text Placeholder 5"/>
-          <p:cNvSpPr>
-            <a:spLocks noGrp="1"/>
-          </p:cNvSpPr>
-          <p:nvPr>
-            <p:ph type="body" idx="18" sz="quarter"/>
-          </p:nvPr>
-        </p:nvSpPr>
-        <p:spPr/>
-        <p:txBody>
-          <a:bodyPr/>
-          <a:lstStyle/>
-          <a:p>
-            <a:r>
-              <a:t>Based on your recent visit, how would you rate the chain on _________?                                           Total base: 700 recent guests per brand (Q3 – Q2‘18) Showing percentage selecting “very good” (top-box rating)</a:t>
-            </a:r>
-          </a:p>
-        </p:txBody>
-      </p:sp>
-    </p:spTree>
-  </p:cSld>
-  <p:clrMapOvr>
-    <a:masterClrMapping/>
-  </p:clrMapOvr>
-</p:sld>
-</file>
-
-<file path=ppt/slides/slide9.xml><?xml version="1.0" encoding="utf-8"?>
-<p:sld xmlns:a="http://schemas.openxmlformats.org/drawingml/2006/main" xmlns:p="http://schemas.openxmlformats.org/presentationml/2006/main" xmlns:r="http://schemas.openxmlformats.org/officeDocument/2006/relationships">
-  <p:cSld>
-    <p:spTree>
-      <p:nvGrpSpPr>
-        <p:cNvPr id="1" name=""/>
-        <p:cNvGrpSpPr/>
-        <p:nvPr/>
-      </p:nvGrpSpPr>
-      <p:grpSpPr/>
-      <p:sp>
-        <p:nvSpPr>
-          <p:cNvPr id="2" name="Title 1"/>
-          <p:cNvSpPr>
-            <a:spLocks noGrp="1"/>
-          </p:cNvSpPr>
-          <p:nvPr>
-            <p:ph type="title"/>
-          </p:nvPr>
-        </p:nvSpPr>
-        <p:spPr/>
-        <p:txBody>
-          <a:bodyPr/>
-          <a:lstStyle/>
-          <a:p>
-            <a:r>
-              <a:t>Cleanliness Attributes</a:t>
-            </a:r>
-          </a:p>
-        </p:txBody>
-      </p:sp>
-      <p:graphicFrame>
-        <p:nvGraphicFramePr>
-          <p:cNvPr id="3" name="Chart Placeholder 2"/>
-          <p:cNvGraphicFramePr>
-            <a:graphicFrameLocks noGrp="1"/>
-          </p:cNvGraphicFramePr>
-          <p:nvPr>
-            <p:ph type="chart" idx="14" sz="quarter"/>
-          </p:nvPr>
-        </p:nvGraphicFramePr>
-        <p:xfrm>
-          <a:off x="4348480" y="2133600"/>
-          <a:ext cx="3474720" cy="3657600"/>
-        </p:xfrm>
-        <a:graphic>
-          <a:graphicData uri="http://schemas.openxmlformats.org/drawingml/2006/chart">
-            <c:chart xmlns:c="http://schemas.openxmlformats.org/drawingml/2006/chart" r:id="rId3"/>
-          </a:graphicData>
-        </a:graphic>
-      </p:graphicFrame>
-      <p:graphicFrame>
-        <p:nvGraphicFramePr>
-          <p:cNvPr id="4" name="Chart Placeholder 3"/>
-          <p:cNvGraphicFramePr>
-            <a:graphicFrameLocks noGrp="1"/>
-          </p:cNvGraphicFramePr>
-          <p:nvPr>
-            <p:ph type="chart" idx="15" sz="quarter"/>
-          </p:nvPr>
-        </p:nvGraphicFramePr>
-        <p:xfrm>
-          <a:off x="8204797" y="2133600"/>
-          <a:ext cx="3474720" cy="3657600"/>
-        </p:xfrm>
-        <a:graphic>
-          <a:graphicData uri="http://schemas.openxmlformats.org/drawingml/2006/chart">
-            <c:chart xmlns:c="http://schemas.openxmlformats.org/drawingml/2006/chart" r:id="rId2"/>
-          </a:graphicData>
-        </a:graphic>
-      </p:graphicFrame>
-      <p:sp>
-        <p:nvSpPr>
-          <p:cNvPr id="5" name="Text Placeholder 4"/>
-          <p:cNvSpPr>
-            <a:spLocks noGrp="1"/>
-          </p:cNvSpPr>
-          <p:nvPr>
-            <p:ph type="body" idx="18" sz="quarter"/>
-          </p:nvPr>
-        </p:nvSpPr>
-        <p:spPr/>
-        <p:txBody>
-          <a:bodyPr/>
-          <a:lstStyle/>
-          <a:p>
-            <a:r>
-              <a:t>Interior Cleanliness</a:t>
-            </a:r>
-          </a:p>
-        </p:txBody>
-      </p:sp>
-      <p:sp>
-        <p:nvSpPr>
-          <p:cNvPr id="6" name="Text Placeholder 5"/>
-          <p:cNvSpPr>
-            <a:spLocks noGrp="1"/>
-          </p:cNvSpPr>
-          <p:nvPr>
-            <p:ph type="body" idx="19" sz="quarter"/>
-          </p:nvPr>
-        </p:nvSpPr>
-        <p:spPr/>
-        <p:txBody>
-          <a:bodyPr/>
-          <a:lstStyle/>
-          <a:p>
-            <a:r>
-              <a:t>Kitchen or Food Prep Area Cleanliness</a:t>
-            </a:r>
-          </a:p>
-        </p:txBody>
-      </p:sp>
-      <p:sp>
-        <p:nvSpPr>
-          <p:cNvPr id="7" name="Text Placeholder 6"/>
-          <p:cNvSpPr>
-            <a:spLocks noGrp="1"/>
-          </p:cNvSpPr>
-          <p:nvPr>
-            <p:ph type="body" idx="20" sz="quarter"/>
-          </p:nvPr>
-        </p:nvSpPr>
-        <p:spPr/>
-        <p:txBody>
-          <a:bodyPr/>
-          <a:lstStyle/>
-          <a:p>
-            <a:r>
-              <a:t>Based on your recent visit, how would you rate the chain on _________?                                           Total base: 700 recent guests per brand (Q3 – Q2‘18) Showing percentage selecting “very good” (top-box rating)</a:t>
-            </a:r>
-          </a:p>
-        </p:txBody>
-      </p:sp>
-    </p:spTree>
   </p:cSld>
   <p:clrMapOvr>
     <a:masterClrMapping/>
